--- a/Redis.pptx
+++ b/Redis.pptx
@@ -246,7 +246,7 @@
               <a:rPr lang="en-US" smtClean="0">
                 <a:latin typeface="Segoe UI" pitchFamily="34" charset="0"/>
               </a:rPr>
-              <a:t>11/25/2014</a:t>
+              <a:t>12/9/2014</a:t>
             </a:fld>
             <a:endParaRPr lang="en-US" dirty="0">
               <a:latin typeface="Segoe UI" pitchFamily="34" charset="0"/>
@@ -680,7 +680,7 @@
             <a:fld id="{D51B1278-D92B-4AF3-A9C1-71DD298190CE}" type="datetimeFigureOut">
               <a:rPr lang="en-US" smtClean="0"/>
               <a:pPr/>
-              <a:t>11/25/2014</a:t>
+              <a:t>12/9/2014</a:t>
             </a:fld>
             <a:endParaRPr lang="en-US" dirty="0"/>
           </a:p>
@@ -1034,7 +1034,7 @@
                 </a:solidFill>
               </a:rPr>
               <a:pPr/>
-              <a:t>11/25/2014 3:44 PM</a:t>
+              <a:t>12/9/2014 12:30 PM</a:t>
             </a:fld>
             <a:endParaRPr lang="en-US" dirty="0">
               <a:solidFill>
@@ -13680,7 +13680,7 @@
         <p:spPr>
           <a:xfrm>
             <a:off x="274638" y="1212850"/>
-            <a:ext cx="11887200" cy="5293757"/>
+            <a:ext cx="11887200" cy="4739759"/>
           </a:xfrm>
         </p:spPr>
         <p:txBody>
@@ -13694,15 +13694,7 @@
             </a:r>
             <a:r>
               <a:rPr lang="en-US" dirty="0"/>
-              <a:t>, which are maps composed of fields associated with values. Both the field and the value are strings. This are very </a:t>
-            </a:r>
-            <a:r>
-              <a:rPr lang="en-US" dirty="0" smtClean="0"/>
-              <a:t>similar </a:t>
-            </a:r>
-            <a:r>
-              <a:rPr lang="en-US" dirty="0"/>
-              <a:t>to Ruby or Python hashes.</a:t>
+              <a:t>, which are maps composed of fields associated with values. Both the field and the value are strings. </a:t>
             </a:r>
           </a:p>
           <a:p>
@@ -13807,7 +13799,7 @@
         <p:spPr>
           <a:xfrm>
             <a:off x="274638" y="1212850"/>
-            <a:ext cx="11887200" cy="1846659"/>
+            <a:ext cx="11887200" cy="2252924"/>
           </a:xfrm>
         </p:spPr>
         <p:txBody>
@@ -13826,6 +13818,35 @@
             <a:r>
               <a:rPr lang="en-US" dirty="0" smtClean="0"/>
               <a:t>.</a:t>
+            </a:r>
+          </a:p>
+          <a:p>
+            <a:pPr lvl="1" fontAlgn="base"/>
+            <a:r>
+              <a:rPr lang="en-US" dirty="0" smtClean="0"/>
+              <a:t>More Info at: </a:t>
+            </a:r>
+            <a:r>
+              <a:rPr lang="en-US" dirty="0" smtClean="0">
+                <a:hlinkClick r:id="rId2"/>
+              </a:rPr>
+              <a:t>http</a:t>
+            </a:r>
+            <a:r>
+              <a:rPr lang="en-US" dirty="0">
+                <a:hlinkClick r:id="rId2"/>
+              </a:rPr>
+              <a:t>://</a:t>
+            </a:r>
+            <a:r>
+              <a:rPr lang="en-US" dirty="0" smtClean="0">
+                <a:hlinkClick r:id="rId2"/>
+              </a:rPr>
+              <a:t>antirez.com/news/75</a:t>
+            </a:r>
+            <a:r>
+              <a:rPr lang="en-US" dirty="0" smtClean="0"/>
+              <a:t> </a:t>
             </a:r>
             <a:endParaRPr lang="en-US" dirty="0"/>
           </a:p>
@@ -13966,7 +13987,6 @@
               <a:rPr lang="en-US" dirty="0" smtClean="0"/>
               <a:t> </a:t>
             </a:r>
-            <a:endParaRPr lang="en-US" dirty="0" smtClean="0"/>
           </a:p>
           <a:p>
             <a:r>
@@ -14368,6 +14388,168 @@
           </a:prstGeom>
         </p:spPr>
       </p:pic>
+      <p:sp>
+        <p:nvSpPr>
+          <p:cNvPr id="2" name="Flowchart: Summing Junction 1"/>
+          <p:cNvSpPr/>
+          <p:nvPr/>
+        </p:nvSpPr>
+        <p:spPr bwMode="auto">
+          <a:xfrm>
+            <a:off x="5710027" y="3878262"/>
+            <a:ext cx="838200" cy="685800"/>
+          </a:xfrm>
+          <a:prstGeom prst="flowChartSummingJunction">
+            <a:avLst/>
+          </a:prstGeom>
+          <a:solidFill>
+            <a:schemeClr val="accent1"/>
+          </a:solidFill>
+          <a:ln>
+            <a:noFill/>
+            <a:headEnd type="none" w="med" len="med"/>
+            <a:tailEnd type="none" w="med" len="med"/>
+          </a:ln>
+          <a:effectLst/>
+        </p:spPr>
+        <p:style>
+          <a:lnRef idx="1">
+            <a:schemeClr val="accent2"/>
+          </a:lnRef>
+          <a:fillRef idx="3">
+            <a:schemeClr val="accent2"/>
+          </a:fillRef>
+          <a:effectRef idx="2">
+            <a:schemeClr val="accent2"/>
+          </a:effectRef>
+          <a:fontRef idx="minor">
+            <a:schemeClr val="lt1"/>
+          </a:fontRef>
+        </p:style>
+        <p:txBody>
+          <a:bodyPr rot="0" spcFirstLastPara="0" vertOverflow="overflow" horzOverflow="overflow" vert="horz" wrap="square" lIns="182880" tIns="146304" rIns="182880" bIns="146304" numCol="1" spcCol="0" rtlCol="0" fromWordArt="0" anchor="t" anchorCtr="0" forceAA="0" compatLnSpc="1">
+            <a:prstTxWarp prst="textNoShape">
+              <a:avLst/>
+            </a:prstTxWarp>
+            <a:noAutofit/>
+          </a:bodyPr>
+          <a:lstStyle/>
+          <a:p>
+            <a:pPr algn="ctr" defTabSz="932472" fontAlgn="base">
+              <a:lnSpc>
+                <a:spcPct val="90000"/>
+              </a:lnSpc>
+              <a:spcBef>
+                <a:spcPct val="0"/>
+              </a:spcBef>
+              <a:spcAft>
+                <a:spcPct val="0"/>
+              </a:spcAft>
+            </a:pPr>
+            <a:r>
+              <a:rPr lang="en-US" sz="1200" dirty="0" smtClean="0">
+                <a:gradFill>
+                  <a:gsLst>
+                    <a:gs pos="0">
+                      <a:srgbClr val="FFFFFF"/>
+                    </a:gs>
+                    <a:gs pos="100000">
+                      <a:srgbClr val="FFFFFF"/>
+                    </a:gs>
+                  </a:gsLst>
+                  <a:lin ang="5400000" scaled="0"/>
+                </a:gradFill>
+                <a:ea typeface="Segoe UI" pitchFamily="34" charset="0"/>
+                <a:cs typeface="Segoe UI" pitchFamily="34" charset="0"/>
+              </a:rPr>
+              <a:t>WJ</a:t>
+            </a:r>
+            <a:endParaRPr lang="en-US" sz="1200" dirty="0" smtClean="0">
+              <a:gradFill>
+                <a:gsLst>
+                  <a:gs pos="0">
+                    <a:srgbClr val="FFFFFF"/>
+                  </a:gs>
+                  <a:gs pos="100000">
+                    <a:srgbClr val="FFFFFF"/>
+                  </a:gs>
+                </a:gsLst>
+                <a:lin ang="5400000" scaled="0"/>
+              </a:gradFill>
+              <a:ea typeface="Segoe UI" pitchFamily="34" charset="0"/>
+              <a:cs typeface="Segoe UI" pitchFamily="34" charset="0"/>
+            </a:endParaRPr>
+          </a:p>
+        </p:txBody>
+      </p:sp>
+      <p:cxnSp>
+        <p:nvCxnSpPr>
+          <p:cNvPr id="7" name="Straight Arrow Connector 6"/>
+          <p:cNvCxnSpPr/>
+          <p:nvPr/>
+        </p:nvCxnSpPr>
+        <p:spPr>
+          <a:xfrm flipH="1">
+            <a:off x="6599237" y="3725862"/>
+            <a:ext cx="609600" cy="365760"/>
+          </a:xfrm>
+          <a:prstGeom prst="straightConnector1">
+            <a:avLst/>
+          </a:prstGeom>
+          <a:ln w="50800">
+            <a:headEnd type="none"/>
+            <a:tailEnd type="triangle"/>
+          </a:ln>
+        </p:spPr>
+        <p:style>
+          <a:lnRef idx="1">
+            <a:schemeClr val="dk1"/>
+          </a:lnRef>
+          <a:fillRef idx="0">
+            <a:schemeClr val="dk1"/>
+          </a:fillRef>
+          <a:effectRef idx="0">
+            <a:schemeClr val="dk1"/>
+          </a:effectRef>
+          <a:fontRef idx="minor">
+            <a:schemeClr val="tx1"/>
+          </a:fontRef>
+        </p:style>
+      </p:cxnSp>
+      <p:cxnSp>
+        <p:nvCxnSpPr>
+          <p:cNvPr id="8" name="Straight Arrow Connector 7"/>
+          <p:cNvCxnSpPr/>
+          <p:nvPr/>
+        </p:nvCxnSpPr>
+        <p:spPr>
+          <a:xfrm flipH="1" flipV="1">
+            <a:off x="5303837" y="3802062"/>
+            <a:ext cx="381000" cy="228600"/>
+          </a:xfrm>
+          <a:prstGeom prst="straightConnector1">
+            <a:avLst/>
+          </a:prstGeom>
+          <a:ln w="50800">
+            <a:headEnd type="none"/>
+            <a:tailEnd type="triangle"/>
+          </a:ln>
+        </p:spPr>
+        <p:style>
+          <a:lnRef idx="1">
+            <a:schemeClr val="dk1"/>
+          </a:lnRef>
+          <a:fillRef idx="0">
+            <a:schemeClr val="dk1"/>
+          </a:fillRef>
+          <a:effectRef idx="0">
+            <a:schemeClr val="dk1"/>
+          </a:effectRef>
+          <a:fontRef idx="minor">
+            <a:schemeClr val="tx1"/>
+          </a:fontRef>
+        </p:style>
+      </p:cxnSp>
     </p:spTree>
     <p:extLst>
       <p:ext uri="{BB962C8B-B14F-4D97-AF65-F5344CB8AC3E}">
@@ -15848,7 +16030,15 @@
           <a:p>
             <a:r>
               <a:rPr lang="en-US" dirty="0"/>
-              <a:t>Vote Now! Captain </a:t>
+              <a:t>Vote </a:t>
+            </a:r>
+            <a:r>
+              <a:rPr lang="en-US" dirty="0" smtClean="0"/>
+              <a:t>Now</a:t>
+            </a:r>
+            <a:r>
+              <a:rPr lang="en-US" dirty="0"/>
+              <a:t>! Captain </a:t>
             </a:r>
             <a:r>
               <a:rPr lang="en-US" dirty="0" err="1" smtClean="0"/>
@@ -15863,7 +16053,7 @@
             </a:r>
             <a:r>
               <a:rPr lang="en-US" dirty="0" smtClean="0"/>
-              <a:t>://DallasSmackdown.azurewebsites.net</a:t>
+              <a:t>://FloridaSmackdown.azurewebsites.net</a:t>
             </a:r>
             <a:endParaRPr lang="en-US" dirty="0" smtClean="0"/>
           </a:p>
@@ -18246,12 +18436,6 @@
 </file>
 
 <file path=customXml/item2.xml><?xml version="1.0" encoding="utf-8"?>
-<p:properties xmlns:p="http://schemas.microsoft.com/office/2006/metadata/properties" xmlns:xsi="http://www.w3.org/2001/XMLSchema-instance" xmlns:pc="http://schemas.microsoft.com/office/infopath/2007/PartnerControls">
-  <documentManagement/>
-</p:properties>
-</file>
-
-<file path=customXml/item3.xml><?xml version="1.0" encoding="utf-8"?>
 <ct:contentTypeSchema xmlns:ct="http://schemas.microsoft.com/office/2006/metadata/contentType" xmlns:ma="http://schemas.microsoft.com/office/2006/metadata/properties/metaAttributes" ct:_="" ma:_="" ma:contentTypeName="Document" ma:contentTypeID="0x0101000C049DA7A73EE242829E58F5D11C9B89" ma:contentTypeVersion="1" ma:contentTypeDescription="Create a new document." ma:contentTypeScope="" ma:versionID="f852d6fc607bed850fe4acc5f09870c6">
   <xsd:schema xmlns:xsd="http://www.w3.org/2001/XMLSchema" xmlns:xs="http://www.w3.org/2001/XMLSchema" xmlns:p="http://schemas.microsoft.com/office/2006/metadata/properties" xmlns:ns3="ecfee87f-bec7-4f31-8aee-ff5312e7eacf" targetNamespace="http://schemas.microsoft.com/office/2006/metadata/properties" ma:root="true" ma:fieldsID="e65437c189d7469ff474ec03e241c9af" ns3:_="">
     <xsd:import namespace="ecfee87f-bec7-4f31-8aee-ff5312e7eacf"/>
@@ -18391,6 +18575,12 @@
 </ct:contentTypeSchema>
 </file>
 
+<file path=customXml/item3.xml><?xml version="1.0" encoding="utf-8"?>
+<p:properties xmlns:p="http://schemas.microsoft.com/office/2006/metadata/properties" xmlns:xsi="http://www.w3.org/2001/XMLSchema-instance" xmlns:pc="http://schemas.microsoft.com/office/infopath/2007/PartnerControls">
+  <documentManagement/>
+</p:properties>
+</file>
+
 <file path=customXml/itemProps1.xml><?xml version="1.0" encoding="utf-8"?>
 <ds:datastoreItem xmlns:ds="http://schemas.openxmlformats.org/officeDocument/2006/customXml" ds:itemID="{758FDAC0-319D-4A54-8D8E-1D42CB1F8004}">
   <ds:schemaRefs>
@@ -18400,22 +18590,6 @@
 </file>
 
 <file path=customXml/itemProps2.xml><?xml version="1.0" encoding="utf-8"?>
-<ds:datastoreItem xmlns:ds="http://schemas.openxmlformats.org/officeDocument/2006/customXml" ds:itemID="{F990F116-B58F-4255-B05B-DA3808E0E5C6}">
-  <ds:schemaRefs>
-    <ds:schemaRef ds:uri="http://schemas.microsoft.com/office/2006/documentManagement/types"/>
-    <ds:schemaRef ds:uri="ecfee87f-bec7-4f31-8aee-ff5312e7eacf"/>
-    <ds:schemaRef ds:uri="http://purl.org/dc/elements/1.1/"/>
-    <ds:schemaRef ds:uri="http://schemas.microsoft.com/office/2006/metadata/properties"/>
-    <ds:schemaRef ds:uri="http://purl.org/dc/terms/"/>
-    <ds:schemaRef ds:uri="http://schemas.microsoft.com/office/infopath/2007/PartnerControls"/>
-    <ds:schemaRef ds:uri="http://schemas.openxmlformats.org/package/2006/metadata/core-properties"/>
-    <ds:schemaRef ds:uri="http://www.w3.org/XML/1998/namespace"/>
-    <ds:schemaRef ds:uri="http://purl.org/dc/dcmitype/"/>
-  </ds:schemaRefs>
-</ds:datastoreItem>
-</file>
-
-<file path=customXml/itemProps3.xml><?xml version="1.0" encoding="utf-8"?>
 <ds:datastoreItem xmlns:ds="http://schemas.openxmlformats.org/officeDocument/2006/customXml" ds:itemID="{7C8A941E-1B3D-4164-9DD8-AFD369229724}">
   <ds:schemaRefs>
     <ds:schemaRef ds:uri="http://schemas.microsoft.com/office/2006/metadata/contentType"/>
@@ -18431,4 +18605,20 @@
     <ds:schemaRef ds:uri="http://schemas.microsoft.com/internal/obd"/>
   </ds:schemaRefs>
 </ds:datastoreItem>
+</file>
+
+<file path=customXml/itemProps3.xml><?xml version="1.0" encoding="utf-8"?>
+<ds:datastoreItem xmlns:ds="http://schemas.openxmlformats.org/officeDocument/2006/customXml" ds:itemID="{F990F116-B58F-4255-B05B-DA3808E0E5C6}">
+  <ds:schemaRefs>
+    <ds:schemaRef ds:uri="http://schemas.microsoft.com/office/2006/documentManagement/types"/>
+    <ds:schemaRef ds:uri="ecfee87f-bec7-4f31-8aee-ff5312e7eacf"/>
+    <ds:schemaRef ds:uri="http://purl.org/dc/elements/1.1/"/>
+    <ds:schemaRef ds:uri="http://schemas.microsoft.com/office/2006/metadata/properties"/>
+    <ds:schemaRef ds:uri="http://purl.org/dc/terms/"/>
+    <ds:schemaRef ds:uri="http://schemas.microsoft.com/office/infopath/2007/PartnerControls"/>
+    <ds:schemaRef ds:uri="http://schemas.openxmlformats.org/package/2006/metadata/core-properties"/>
+    <ds:schemaRef ds:uri="http://www.w3.org/XML/1998/namespace"/>
+    <ds:schemaRef ds:uri="http://purl.org/dc/dcmitype/"/>
+  </ds:schemaRefs>
+</ds:datastoreItem>
 </file>